--- a/ppt/design.pptx
+++ b/ppt/design.pptx
@@ -6,6 +6,8 @@
   </p:sldMasterIdLst>
   <p:sldIdLst>
     <p:sldId id="256" r:id="rId2"/>
+    <p:sldId id="257" r:id="rId3"/>
+    <p:sldId id="258" r:id="rId4"/>
   </p:sldIdLst>
   <p:sldSz cx="12192000" cy="6858000"/>
   <p:notesSz cx="6858000" cy="9144000"/>
@@ -243,7 +245,7 @@
           <a:p>
             <a:fld id="{394310EA-9300-46A5-A6AE-1CC2A16E03C4}" type="datetimeFigureOut">
               <a:rPr lang="pt-BR" smtClean="0"/>
-              <a:t>07/02/2020</a:t>
+              <a:t>17/02/2020</a:t>
             </a:fld>
             <a:endParaRPr lang="pt-BR"/>
           </a:p>
@@ -413,7 +415,7 @@
           <a:p>
             <a:fld id="{394310EA-9300-46A5-A6AE-1CC2A16E03C4}" type="datetimeFigureOut">
               <a:rPr lang="pt-BR" smtClean="0"/>
-              <a:t>07/02/2020</a:t>
+              <a:t>17/02/2020</a:t>
             </a:fld>
             <a:endParaRPr lang="pt-BR"/>
           </a:p>
@@ -593,7 +595,7 @@
           <a:p>
             <a:fld id="{394310EA-9300-46A5-A6AE-1CC2A16E03C4}" type="datetimeFigureOut">
               <a:rPr lang="pt-BR" smtClean="0"/>
-              <a:t>07/02/2020</a:t>
+              <a:t>17/02/2020</a:t>
             </a:fld>
             <a:endParaRPr lang="pt-BR"/>
           </a:p>
@@ -763,7 +765,7 @@
           <a:p>
             <a:fld id="{394310EA-9300-46A5-A6AE-1CC2A16E03C4}" type="datetimeFigureOut">
               <a:rPr lang="pt-BR" smtClean="0"/>
-              <a:t>07/02/2020</a:t>
+              <a:t>17/02/2020</a:t>
             </a:fld>
             <a:endParaRPr lang="pt-BR"/>
           </a:p>
@@ -1009,7 +1011,7 @@
           <a:p>
             <a:fld id="{394310EA-9300-46A5-A6AE-1CC2A16E03C4}" type="datetimeFigureOut">
               <a:rPr lang="pt-BR" smtClean="0"/>
-              <a:t>07/02/2020</a:t>
+              <a:t>17/02/2020</a:t>
             </a:fld>
             <a:endParaRPr lang="pt-BR"/>
           </a:p>
@@ -1241,7 +1243,7 @@
           <a:p>
             <a:fld id="{394310EA-9300-46A5-A6AE-1CC2A16E03C4}" type="datetimeFigureOut">
               <a:rPr lang="pt-BR" smtClean="0"/>
-              <a:t>07/02/2020</a:t>
+              <a:t>17/02/2020</a:t>
             </a:fld>
             <a:endParaRPr lang="pt-BR"/>
           </a:p>
@@ -1608,7 +1610,7 @@
           <a:p>
             <a:fld id="{394310EA-9300-46A5-A6AE-1CC2A16E03C4}" type="datetimeFigureOut">
               <a:rPr lang="pt-BR" smtClean="0"/>
-              <a:t>07/02/2020</a:t>
+              <a:t>17/02/2020</a:t>
             </a:fld>
             <a:endParaRPr lang="pt-BR"/>
           </a:p>
@@ -1726,7 +1728,7 @@
           <a:p>
             <a:fld id="{394310EA-9300-46A5-A6AE-1CC2A16E03C4}" type="datetimeFigureOut">
               <a:rPr lang="pt-BR" smtClean="0"/>
-              <a:t>07/02/2020</a:t>
+              <a:t>17/02/2020</a:t>
             </a:fld>
             <a:endParaRPr lang="pt-BR"/>
           </a:p>
@@ -1821,7 +1823,7 @@
           <a:p>
             <a:fld id="{394310EA-9300-46A5-A6AE-1CC2A16E03C4}" type="datetimeFigureOut">
               <a:rPr lang="pt-BR" smtClean="0"/>
-              <a:t>07/02/2020</a:t>
+              <a:t>17/02/2020</a:t>
             </a:fld>
             <a:endParaRPr lang="pt-BR"/>
           </a:p>
@@ -2098,7 +2100,7 @@
           <a:p>
             <a:fld id="{394310EA-9300-46A5-A6AE-1CC2A16E03C4}" type="datetimeFigureOut">
               <a:rPr lang="pt-BR" smtClean="0"/>
-              <a:t>07/02/2020</a:t>
+              <a:t>17/02/2020</a:t>
             </a:fld>
             <a:endParaRPr lang="pt-BR"/>
           </a:p>
@@ -2351,7 +2353,7 @@
           <a:p>
             <a:fld id="{394310EA-9300-46A5-A6AE-1CC2A16E03C4}" type="datetimeFigureOut">
               <a:rPr lang="pt-BR" smtClean="0"/>
-              <a:t>07/02/2020</a:t>
+              <a:t>17/02/2020</a:t>
             </a:fld>
             <a:endParaRPr lang="pt-BR"/>
           </a:p>
@@ -2564,7 +2566,7 @@
           <a:p>
             <a:fld id="{394310EA-9300-46A5-A6AE-1CC2A16E03C4}" type="datetimeFigureOut">
               <a:rPr lang="pt-BR" smtClean="0"/>
-              <a:t>07/02/2020</a:t>
+              <a:t>17/02/2020</a:t>
             </a:fld>
             <a:endParaRPr lang="pt-BR"/>
           </a:p>
@@ -3406,6 +3408,609 @@
 </p:sld>
 </file>
 
+<file path=ppt/slides/slide2.xml><?xml version="1.0" encoding="utf-8"?>
+<p:sld xmlns:a="http://schemas.openxmlformats.org/drawingml/2006/main" xmlns:r="http://schemas.openxmlformats.org/officeDocument/2006/relationships" xmlns:p="http://schemas.openxmlformats.org/presentationml/2006/main">
+  <p:cSld>
+    <p:spTree>
+      <p:nvGrpSpPr>
+        <p:cNvPr id="1" name=""/>
+        <p:cNvGrpSpPr/>
+        <p:nvPr/>
+      </p:nvGrpSpPr>
+      <p:grpSpPr>
+        <a:xfrm>
+          <a:off x="0" y="0"/>
+          <a:ext cx="0" cy="0"/>
+          <a:chOff x="0" y="0"/>
+          <a:chExt cx="0" cy="0"/>
+        </a:xfrm>
+      </p:grpSpPr>
+      <p:grpSp>
+        <p:nvGrpSpPr>
+          <p:cNvPr id="15" name="Grupo 14"/>
+          <p:cNvGrpSpPr/>
+          <p:nvPr/>
+        </p:nvGrpSpPr>
+        <p:grpSpPr>
+          <a:xfrm>
+            <a:off x="389902" y="400851"/>
+            <a:ext cx="6882569" cy="2684179"/>
+            <a:chOff x="389902" y="400851"/>
+            <a:chExt cx="6882569" cy="2684179"/>
+          </a:xfrm>
+        </p:grpSpPr>
+        <p:pic>
+          <p:nvPicPr>
+            <p:cNvPr id="3" name="Imagem 2"/>
+            <p:cNvPicPr>
+              <a:picLocks noChangeAspect="1"/>
+            </p:cNvPicPr>
+            <p:nvPr/>
+          </p:nvPicPr>
+          <p:blipFill>
+            <a:blip r:embed="rId2"/>
+            <a:stretch>
+              <a:fillRect/>
+            </a:stretch>
+          </p:blipFill>
+          <p:spPr>
+            <a:xfrm>
+              <a:off x="389902" y="400851"/>
+              <a:ext cx="3600984" cy="1330214"/>
+            </a:xfrm>
+            <a:prstGeom prst="rect">
+              <a:avLst/>
+            </a:prstGeom>
+          </p:spPr>
+        </p:pic>
+        <p:pic>
+          <p:nvPicPr>
+            <p:cNvPr id="8" name="Imagem 7"/>
+            <p:cNvPicPr>
+              <a:picLocks noChangeAspect="1"/>
+            </p:cNvPicPr>
+            <p:nvPr/>
+          </p:nvPicPr>
+          <p:blipFill>
+            <a:blip r:embed="rId3"/>
+            <a:stretch>
+              <a:fillRect/>
+            </a:stretch>
+          </p:blipFill>
+          <p:spPr>
+            <a:xfrm>
+              <a:off x="389902" y="1801185"/>
+              <a:ext cx="3600984" cy="1283845"/>
+            </a:xfrm>
+            <a:prstGeom prst="rect">
+              <a:avLst/>
+            </a:prstGeom>
+          </p:spPr>
+        </p:pic>
+        <p:sp>
+          <p:nvSpPr>
+            <p:cNvPr id="9" name="Texto explicativo em forma de nuvem 8"/>
+            <p:cNvSpPr/>
+            <p:nvPr/>
+          </p:nvSpPr>
+          <p:spPr>
+            <a:xfrm>
+              <a:off x="1786072" y="2136446"/>
+              <a:ext cx="572568" cy="401653"/>
+            </a:xfrm>
+            <a:prstGeom prst="cloudCallout">
+              <a:avLst>
+                <a:gd name="adj1" fmla="val -72380"/>
+                <a:gd name="adj2" fmla="val 145479"/>
+              </a:avLst>
+            </a:prstGeom>
+          </p:spPr>
+          <p:style>
+            <a:lnRef idx="2">
+              <a:schemeClr val="accent1">
+                <a:shade val="50000"/>
+              </a:schemeClr>
+            </a:lnRef>
+            <a:fillRef idx="1">
+              <a:schemeClr val="accent1"/>
+            </a:fillRef>
+            <a:effectRef idx="0">
+              <a:schemeClr val="accent1"/>
+            </a:effectRef>
+            <a:fontRef idx="minor">
+              <a:schemeClr val="lt1"/>
+            </a:fontRef>
+          </p:style>
+          <p:txBody>
+            <a:bodyPr rtlCol="0" anchor="ctr"/>
+            <a:lstStyle/>
+            <a:p>
+              <a:pPr algn="ctr"/>
+              <a:r>
+                <a:rPr lang="pt-BR" sz="3200" dirty="0" smtClean="0">
+                  <a:solidFill>
+                    <a:srgbClr val="FFFF00"/>
+                  </a:solidFill>
+                </a:rPr>
+                <a:t>?</a:t>
+              </a:r>
+              <a:endParaRPr lang="pt-BR" sz="3200" dirty="0">
+                <a:solidFill>
+                  <a:srgbClr val="FFFF00"/>
+                </a:solidFill>
+              </a:endParaRPr>
+            </a:p>
+          </p:txBody>
+        </p:sp>
+        <p:pic>
+          <p:nvPicPr>
+            <p:cNvPr id="11" name="Imagem 10"/>
+            <p:cNvPicPr>
+              <a:picLocks noChangeAspect="1"/>
+            </p:cNvPicPr>
+            <p:nvPr/>
+          </p:nvPicPr>
+          <p:blipFill>
+            <a:blip r:embed="rId4"/>
+            <a:stretch>
+              <a:fillRect/>
+            </a:stretch>
+          </p:blipFill>
+          <p:spPr>
+            <a:xfrm>
+              <a:off x="4081284" y="400851"/>
+              <a:ext cx="3191187" cy="1330214"/>
+            </a:xfrm>
+            <a:prstGeom prst="rect">
+              <a:avLst/>
+            </a:prstGeom>
+          </p:spPr>
+        </p:pic>
+        <p:sp>
+          <p:nvSpPr>
+            <p:cNvPr id="12" name="CaixaDeTexto 11"/>
+            <p:cNvSpPr txBox="1"/>
+            <p:nvPr/>
+          </p:nvSpPr>
+          <p:spPr>
+            <a:xfrm>
+              <a:off x="5848171" y="481906"/>
+              <a:ext cx="671979" cy="369332"/>
+            </a:xfrm>
+            <a:prstGeom prst="rect">
+              <a:avLst/>
+            </a:prstGeom>
+            <a:noFill/>
+          </p:spPr>
+          <p:txBody>
+            <a:bodyPr wrap="none" rtlCol="0">
+              <a:spAutoFit/>
+            </a:bodyPr>
+            <a:lstStyle/>
+            <a:p>
+              <a:r>
+                <a:rPr lang="pt-BR" dirty="0" smtClean="0">
+                  <a:solidFill>
+                    <a:srgbClr val="FF0000"/>
+                  </a:solidFill>
+                </a:rPr>
+                <a:t>POST</a:t>
+              </a:r>
+              <a:endParaRPr lang="pt-BR" dirty="0">
+                <a:solidFill>
+                  <a:srgbClr val="FF0000"/>
+                </a:solidFill>
+              </a:endParaRPr>
+            </a:p>
+          </p:txBody>
+        </p:sp>
+        <p:pic>
+          <p:nvPicPr>
+            <p:cNvPr id="13" name="Imagem 12"/>
+            <p:cNvPicPr>
+              <a:picLocks noChangeAspect="1"/>
+            </p:cNvPicPr>
+            <p:nvPr/>
+          </p:nvPicPr>
+          <p:blipFill>
+            <a:blip r:embed="rId5"/>
+            <a:stretch>
+              <a:fillRect/>
+            </a:stretch>
+          </p:blipFill>
+          <p:spPr>
+            <a:xfrm>
+              <a:off x="4081284" y="1812120"/>
+              <a:ext cx="3191187" cy="1272910"/>
+            </a:xfrm>
+            <a:prstGeom prst="rect">
+              <a:avLst/>
+            </a:prstGeom>
+          </p:spPr>
+        </p:pic>
+        <p:sp>
+          <p:nvSpPr>
+            <p:cNvPr id="23" name="CaixaDeTexto 22"/>
+            <p:cNvSpPr txBox="1"/>
+            <p:nvPr/>
+          </p:nvSpPr>
+          <p:spPr>
+            <a:xfrm>
+              <a:off x="6184160" y="2443107"/>
+              <a:ext cx="554960" cy="369332"/>
+            </a:xfrm>
+            <a:prstGeom prst="rect">
+              <a:avLst/>
+            </a:prstGeom>
+            <a:noFill/>
+          </p:spPr>
+          <p:txBody>
+            <a:bodyPr wrap="none" rtlCol="0">
+              <a:spAutoFit/>
+            </a:bodyPr>
+            <a:lstStyle/>
+            <a:p>
+              <a:r>
+                <a:rPr lang="pt-BR" dirty="0" smtClean="0">
+                  <a:solidFill>
+                    <a:srgbClr val="FFFF00"/>
+                  </a:solidFill>
+                </a:rPr>
+                <a:t>GET</a:t>
+              </a:r>
+              <a:endParaRPr lang="pt-BR" dirty="0">
+                <a:solidFill>
+                  <a:srgbClr val="FFFF00"/>
+                </a:solidFill>
+              </a:endParaRPr>
+            </a:p>
+          </p:txBody>
+        </p:sp>
+        <p:sp>
+          <p:nvSpPr>
+            <p:cNvPr id="24" name="Seta para a direita 23"/>
+            <p:cNvSpPr/>
+            <p:nvPr/>
+          </p:nvSpPr>
+          <p:spPr>
+            <a:xfrm rot="8611782">
+              <a:off x="5077444" y="1976288"/>
+              <a:ext cx="536561" cy="122922"/>
+            </a:xfrm>
+            <a:prstGeom prst="rightArrow">
+              <a:avLst/>
+            </a:prstGeom>
+          </p:spPr>
+          <p:style>
+            <a:lnRef idx="2">
+              <a:schemeClr val="accent4">
+                <a:shade val="50000"/>
+              </a:schemeClr>
+            </a:lnRef>
+            <a:fillRef idx="1">
+              <a:schemeClr val="accent4"/>
+            </a:fillRef>
+            <a:effectRef idx="0">
+              <a:schemeClr val="accent4"/>
+            </a:effectRef>
+            <a:fontRef idx="minor">
+              <a:schemeClr val="lt1"/>
+            </a:fontRef>
+          </p:style>
+          <p:txBody>
+            <a:bodyPr rtlCol="0" anchor="ctr"/>
+            <a:lstStyle/>
+            <a:p>
+              <a:pPr algn="ctr"/>
+              <a:endParaRPr lang="pt-BR"/>
+            </a:p>
+          </p:txBody>
+        </p:sp>
+        <p:sp>
+          <p:nvSpPr>
+            <p:cNvPr id="25" name="Seta para a direita 24"/>
+            <p:cNvSpPr/>
+            <p:nvPr/>
+          </p:nvSpPr>
+          <p:spPr>
+            <a:xfrm rot="8611782">
+              <a:off x="3144670" y="629338"/>
+              <a:ext cx="536561" cy="122922"/>
+            </a:xfrm>
+            <a:prstGeom prst="rightArrow">
+              <a:avLst/>
+            </a:prstGeom>
+          </p:spPr>
+          <p:style>
+            <a:lnRef idx="2">
+              <a:schemeClr val="accent4">
+                <a:shade val="50000"/>
+              </a:schemeClr>
+            </a:lnRef>
+            <a:fillRef idx="1">
+              <a:schemeClr val="accent4"/>
+            </a:fillRef>
+            <a:effectRef idx="0">
+              <a:schemeClr val="accent4"/>
+            </a:effectRef>
+            <a:fontRef idx="minor">
+              <a:schemeClr val="lt1"/>
+            </a:fontRef>
+          </p:style>
+          <p:txBody>
+            <a:bodyPr rtlCol="0" anchor="ctr"/>
+            <a:lstStyle/>
+            <a:p>
+              <a:pPr algn="ctr"/>
+              <a:endParaRPr lang="pt-BR"/>
+            </a:p>
+          </p:txBody>
+        </p:sp>
+      </p:grpSp>
+    </p:spTree>
+    <p:extLst>
+      <p:ext uri="{BB962C8B-B14F-4D97-AF65-F5344CB8AC3E}">
+        <p14:creationId xmlns:p14="http://schemas.microsoft.com/office/powerpoint/2010/main" val="296486527"/>
+      </p:ext>
+    </p:extLst>
+  </p:cSld>
+  <p:clrMapOvr>
+    <a:masterClrMapping/>
+  </p:clrMapOvr>
+</p:sld>
+</file>
+
+<file path=ppt/slides/slide3.xml><?xml version="1.0" encoding="utf-8"?>
+<p:sld xmlns:a="http://schemas.openxmlformats.org/drawingml/2006/main" xmlns:r="http://schemas.openxmlformats.org/officeDocument/2006/relationships" xmlns:p="http://schemas.openxmlformats.org/presentationml/2006/main">
+  <p:cSld>
+    <p:spTree>
+      <p:nvGrpSpPr>
+        <p:cNvPr id="1" name=""/>
+        <p:cNvGrpSpPr/>
+        <p:nvPr/>
+      </p:nvGrpSpPr>
+      <p:grpSpPr>
+        <a:xfrm>
+          <a:off x="0" y="0"/>
+          <a:ext cx="0" cy="0"/>
+          <a:chOff x="0" y="0"/>
+          <a:chExt cx="0" cy="0"/>
+        </a:xfrm>
+      </p:grpSpPr>
+      <p:grpSp>
+        <p:nvGrpSpPr>
+          <p:cNvPr id="59" name="Grupo 58"/>
+          <p:cNvGrpSpPr/>
+          <p:nvPr/>
+        </p:nvGrpSpPr>
+        <p:grpSpPr>
+          <a:xfrm>
+            <a:off x="1301204" y="1051988"/>
+            <a:ext cx="5791200" cy="3680460"/>
+            <a:chOff x="1301204" y="1051988"/>
+            <a:chExt cx="5791200" cy="3680460"/>
+          </a:xfrm>
+        </p:grpSpPr>
+        <p:pic>
+          <p:nvPicPr>
+            <p:cNvPr id="4" name="Imagem 3"/>
+            <p:cNvPicPr>
+              <a:picLocks noChangeAspect="1"/>
+            </p:cNvPicPr>
+            <p:nvPr/>
+          </p:nvPicPr>
+          <p:blipFill>
+            <a:blip r:embed="rId2">
+              <a:extLst>
+                <a:ext uri="{28A0092B-C50C-407E-A947-70E740481C1C}">
+                  <a14:useLocalDpi xmlns:a14="http://schemas.microsoft.com/office/drawing/2010/main" val="0"/>
+                </a:ext>
+              </a:extLst>
+            </a:blip>
+            <a:stretch>
+              <a:fillRect/>
+            </a:stretch>
+          </p:blipFill>
+          <p:spPr>
+            <a:xfrm>
+              <a:off x="1301204" y="1051988"/>
+              <a:ext cx="5791200" cy="822960"/>
+            </a:xfrm>
+            <a:prstGeom prst="rect">
+              <a:avLst/>
+            </a:prstGeom>
+          </p:spPr>
+        </p:pic>
+        <p:pic>
+          <p:nvPicPr>
+            <p:cNvPr id="24" name="Imagem 23"/>
+            <p:cNvPicPr>
+              <a:picLocks noChangeAspect="1"/>
+            </p:cNvPicPr>
+            <p:nvPr/>
+          </p:nvPicPr>
+          <p:blipFill>
+            <a:blip r:embed="rId3"/>
+            <a:stretch>
+              <a:fillRect/>
+            </a:stretch>
+          </p:blipFill>
+          <p:spPr>
+            <a:xfrm>
+              <a:off x="1310729" y="1874948"/>
+              <a:ext cx="5781675" cy="2857500"/>
+            </a:xfrm>
+            <a:prstGeom prst="rect">
+              <a:avLst/>
+            </a:prstGeom>
+          </p:spPr>
+        </p:pic>
+        <p:cxnSp>
+          <p:nvCxnSpPr>
+            <p:cNvPr id="48" name="Conector de seta reta 47"/>
+            <p:cNvCxnSpPr/>
+            <p:nvPr/>
+          </p:nvCxnSpPr>
+          <p:spPr>
+            <a:xfrm>
+              <a:off x="2409914" y="1768979"/>
+              <a:ext cx="1572426" cy="1170774"/>
+            </a:xfrm>
+            <a:prstGeom prst="straightConnector1">
+              <a:avLst/>
+            </a:prstGeom>
+            <a:ln w="19050">
+              <a:solidFill>
+                <a:schemeClr val="accent2">
+                  <a:lumMod val="75000"/>
+                </a:schemeClr>
+              </a:solidFill>
+              <a:tailEnd type="triangle"/>
+            </a:ln>
+          </p:spPr>
+          <p:style>
+            <a:lnRef idx="1">
+              <a:schemeClr val="accent1"/>
+            </a:lnRef>
+            <a:fillRef idx="0">
+              <a:schemeClr val="accent1"/>
+            </a:fillRef>
+            <a:effectRef idx="0">
+              <a:schemeClr val="accent1"/>
+            </a:effectRef>
+            <a:fontRef idx="minor">
+              <a:schemeClr val="tx1"/>
+            </a:fontRef>
+          </p:style>
+        </p:cxnSp>
+        <p:cxnSp>
+          <p:nvCxnSpPr>
+            <p:cNvPr id="50" name="Conector de seta reta 49"/>
+            <p:cNvCxnSpPr/>
+            <p:nvPr/>
+          </p:nvCxnSpPr>
+          <p:spPr>
+            <a:xfrm>
+              <a:off x="4331293" y="1874948"/>
+              <a:ext cx="667997" cy="1517732"/>
+            </a:xfrm>
+            <a:prstGeom prst="straightConnector1">
+              <a:avLst/>
+            </a:prstGeom>
+            <a:ln w="19050">
+              <a:solidFill>
+                <a:schemeClr val="accent2">
+                  <a:lumMod val="75000"/>
+                </a:schemeClr>
+              </a:solidFill>
+              <a:tailEnd type="triangle"/>
+            </a:ln>
+          </p:spPr>
+          <p:style>
+            <a:lnRef idx="1">
+              <a:schemeClr val="accent1"/>
+            </a:lnRef>
+            <a:fillRef idx="0">
+              <a:schemeClr val="accent1"/>
+            </a:fillRef>
+            <a:effectRef idx="0">
+              <a:schemeClr val="accent1"/>
+            </a:effectRef>
+            <a:fontRef idx="minor">
+              <a:schemeClr val="tx1"/>
+            </a:fontRef>
+          </p:style>
+        </p:cxnSp>
+        <p:cxnSp>
+          <p:nvCxnSpPr>
+            <p:cNvPr id="53" name="Conector de seta reta 52"/>
+            <p:cNvCxnSpPr/>
+            <p:nvPr/>
+          </p:nvCxnSpPr>
+          <p:spPr>
+            <a:xfrm flipH="1">
+              <a:off x="4999290" y="1874948"/>
+              <a:ext cx="794759" cy="1859564"/>
+            </a:xfrm>
+            <a:prstGeom prst="straightConnector1">
+              <a:avLst/>
+            </a:prstGeom>
+            <a:ln w="19050">
+              <a:solidFill>
+                <a:schemeClr val="accent2">
+                  <a:lumMod val="75000"/>
+                </a:schemeClr>
+              </a:solidFill>
+              <a:tailEnd type="triangle"/>
+            </a:ln>
+          </p:spPr>
+          <p:style>
+            <a:lnRef idx="1">
+              <a:schemeClr val="accent1"/>
+            </a:lnRef>
+            <a:fillRef idx="0">
+              <a:schemeClr val="accent1"/>
+            </a:fillRef>
+            <a:effectRef idx="0">
+              <a:schemeClr val="accent1"/>
+            </a:effectRef>
+            <a:fontRef idx="minor">
+              <a:schemeClr val="tx1"/>
+            </a:fontRef>
+          </p:style>
+        </p:cxnSp>
+        <p:cxnSp>
+          <p:nvCxnSpPr>
+            <p:cNvPr id="57" name="Conector de seta reta 56"/>
+            <p:cNvCxnSpPr/>
+            <p:nvPr/>
+          </p:nvCxnSpPr>
+          <p:spPr>
+            <a:xfrm flipH="1">
+              <a:off x="6546079" y="1838202"/>
+              <a:ext cx="135309" cy="2024497"/>
+            </a:xfrm>
+            <a:prstGeom prst="straightConnector1">
+              <a:avLst/>
+            </a:prstGeom>
+            <a:ln w="19050">
+              <a:solidFill>
+                <a:schemeClr val="accent2">
+                  <a:lumMod val="75000"/>
+                </a:schemeClr>
+              </a:solidFill>
+              <a:tailEnd type="triangle"/>
+            </a:ln>
+          </p:spPr>
+          <p:style>
+            <a:lnRef idx="1">
+              <a:schemeClr val="accent1"/>
+            </a:lnRef>
+            <a:fillRef idx="0">
+              <a:schemeClr val="accent1"/>
+            </a:fillRef>
+            <a:effectRef idx="0">
+              <a:schemeClr val="accent1"/>
+            </a:effectRef>
+            <a:fontRef idx="minor">
+              <a:schemeClr val="tx1"/>
+            </a:fontRef>
+          </p:style>
+        </p:cxnSp>
+      </p:grpSp>
+    </p:spTree>
+    <p:extLst>
+      <p:ext uri="{BB962C8B-B14F-4D97-AF65-F5344CB8AC3E}">
+        <p14:creationId xmlns:p14="http://schemas.microsoft.com/office/powerpoint/2010/main" val="1796371521"/>
+      </p:ext>
+    </p:extLst>
+  </p:cSld>
+  <p:clrMapOvr>
+    <a:masterClrMapping/>
+  </p:clrMapOvr>
+</p:sld>
+</file>
+
 <file path=ppt/theme/theme1.xml><?xml version="1.0" encoding="utf-8"?>
 <a:theme xmlns:a="http://schemas.openxmlformats.org/drawingml/2006/main" name="Tema do Office">
   <a:themeElements>
